--- a/広島校高松校合同チーム/文書関連/プレゼンテーション1.pptx
+++ b/広島校高松校合同チーム/文書関連/プレゼンテーション1.pptx
@@ -116,6 +116,11 @@
       </a:defRPr>
     </a:lvl9pPr>
   </p:defaultTextStyle>
+  <p:extLst>
+    <p:ext uri="{EFAFB233-063F-42B5-8137-9DF3F51BA10A}">
+      <p15:sldGuideLst xmlns:p15="http://schemas.microsoft.com/office/powerpoint/2012/main"/>
+    </p:ext>
+  </p:extLst>
 </p:presentation>
 </file>
 
@@ -7179,7 +7184,162 @@
           <a:bodyPr/>
           <a:lstStyle/>
           <a:p>
-            <a:endParaRPr kumimoji="1" lang="ja-JP" altLang="en-US" dirty="0"/>
+            <a:pPr marL="0" indent="0">
+              <a:buNone/>
+            </a:pPr>
+            <a:r>
+              <a:rPr kumimoji="1" lang="ja-JP" altLang="en-US" dirty="0" smtClean="0"/>
+              <a:t>①プレイヤーの</a:t>
+            </a:r>
+            <a:r>
+              <a:rPr lang="en-US" altLang="ja-JP" dirty="0" smtClean="0"/>
+              <a:t>HP</a:t>
+            </a:r>
+            <a:r>
+              <a:rPr lang="ja-JP" altLang="en-US" dirty="0" smtClean="0"/>
+              <a:t>バー</a:t>
+            </a:r>
+            <a:endParaRPr lang="en-US" altLang="ja-JP" dirty="0" smtClean="0"/>
+          </a:p>
+          <a:p>
+            <a:pPr marL="0" indent="0">
+              <a:buNone/>
+            </a:pPr>
+            <a:r>
+              <a:rPr kumimoji="1" lang="ja-JP" altLang="en-US" dirty="0"/>
+              <a:t>　</a:t>
+            </a:r>
+            <a:r>
+              <a:rPr kumimoji="1" lang="ja-JP" altLang="en-US" dirty="0" smtClean="0"/>
+              <a:t>攻撃を受けるとゲージが減少していく</a:t>
+            </a:r>
+            <a:endParaRPr kumimoji="1" lang="en-US" altLang="ja-JP" dirty="0" smtClean="0"/>
+          </a:p>
+          <a:p>
+            <a:pPr marL="0" indent="0">
+              <a:buNone/>
+            </a:pPr>
+            <a:r>
+              <a:rPr lang="ja-JP" altLang="en-US" dirty="0"/>
+              <a:t>　</a:t>
+            </a:r>
+            <a:r>
+              <a:rPr lang="ja-JP" altLang="en-US" dirty="0" smtClean="0"/>
+              <a:t>ゲージが０になるとゲームオーバー</a:t>
+            </a:r>
+            <a:endParaRPr lang="en-US" altLang="ja-JP" dirty="0" smtClean="0"/>
+          </a:p>
+          <a:p>
+            <a:pPr marL="0" indent="0">
+              <a:buNone/>
+            </a:pPr>
+            <a:r>
+              <a:rPr kumimoji="1" lang="ja-JP" altLang="en-US" dirty="0" smtClean="0"/>
+              <a:t>②装備しているサブ武器</a:t>
+            </a:r>
+            <a:endParaRPr kumimoji="1" lang="en-US" altLang="ja-JP" dirty="0" smtClean="0"/>
+          </a:p>
+          <a:p>
+            <a:pPr marL="0" indent="0">
+              <a:buNone/>
+            </a:pPr>
+            <a:r>
+              <a:rPr lang="ja-JP" altLang="en-US" dirty="0"/>
+              <a:t>　</a:t>
+            </a:r>
+            <a:r>
+              <a:rPr lang="ja-JP" altLang="en-US" dirty="0" smtClean="0"/>
+              <a:t>敵から拾って現在装備しているサブ武器を示すアイコン</a:t>
+            </a:r>
+            <a:endParaRPr lang="en-US" altLang="ja-JP" dirty="0" smtClean="0"/>
+          </a:p>
+          <a:p>
+            <a:pPr marL="0" indent="0">
+              <a:buNone/>
+            </a:pPr>
+            <a:r>
+              <a:rPr lang="ja-JP" altLang="en-US" dirty="0"/>
+              <a:t>　</a:t>
+            </a:r>
+            <a:r>
+              <a:rPr lang="ja-JP" altLang="en-US" dirty="0" smtClean="0"/>
+              <a:t>サブ武器を変えるとアイコンの表示も変わる</a:t>
+            </a:r>
+            <a:endParaRPr lang="en-US" altLang="ja-JP" dirty="0" smtClean="0"/>
+          </a:p>
+          <a:p>
+            <a:pPr marL="0" indent="0">
+              <a:buNone/>
+            </a:pPr>
+            <a:r>
+              <a:rPr lang="ja-JP" altLang="en-US" dirty="0" smtClean="0"/>
+              <a:t>③装備しているサブ武器の耐久力</a:t>
+            </a:r>
+            <a:endParaRPr lang="en-US" altLang="ja-JP" dirty="0" smtClean="0"/>
+          </a:p>
+          <a:p>
+            <a:pPr marL="0" indent="0">
+              <a:buNone/>
+            </a:pPr>
+            <a:r>
+              <a:rPr lang="ja-JP" altLang="en-US" dirty="0"/>
+              <a:t>　</a:t>
+            </a:r>
+            <a:r>
+              <a:rPr lang="ja-JP" altLang="en-US" dirty="0" smtClean="0"/>
+              <a:t>サブ武器を使用するとゲージが減少していく</a:t>
+            </a:r>
+            <a:endParaRPr lang="en-US" altLang="ja-JP" dirty="0" smtClean="0"/>
+          </a:p>
+          <a:p>
+            <a:pPr marL="0" indent="0">
+              <a:buNone/>
+            </a:pPr>
+            <a:r>
+              <a:rPr lang="ja-JP" altLang="en-US" dirty="0"/>
+              <a:t>　</a:t>
+            </a:r>
+            <a:r>
+              <a:rPr lang="ja-JP" altLang="en-US" dirty="0" smtClean="0"/>
+              <a:t>ゲージが０になるとサブ</a:t>
+            </a:r>
+            <a:r>
+              <a:rPr lang="ja-JP" altLang="en-US" smtClean="0"/>
+              <a:t>武器は</a:t>
+            </a:r>
+            <a:r>
+              <a:rPr lang="ja-JP" altLang="en-US"/>
+              <a:t>壊</a:t>
+            </a:r>
+            <a:r>
+              <a:rPr lang="ja-JP" altLang="en-US" smtClean="0"/>
+              <a:t>れてしま</a:t>
+            </a:r>
+            <a:r>
+              <a:rPr lang="ja-JP" altLang="en-US"/>
+              <a:t>う</a:t>
+            </a:r>
+            <a:endParaRPr lang="en-US" altLang="ja-JP" dirty="0" smtClean="0"/>
+          </a:p>
+          <a:p>
+            <a:pPr marL="0" indent="0">
+              <a:buNone/>
+            </a:pPr>
+            <a:r>
+              <a:rPr kumimoji="1" lang="ja-JP" altLang="en-US" dirty="0"/>
+              <a:t>　</a:t>
+            </a:r>
+            <a:endParaRPr kumimoji="1" lang="en-US" altLang="ja-JP" dirty="0" smtClean="0"/>
+          </a:p>
+          <a:p>
+            <a:pPr marL="0" indent="0">
+              <a:buNone/>
+            </a:pPr>
+            <a:r>
+              <a:rPr lang="ja-JP" altLang="en-US" dirty="0"/>
+              <a:t>　</a:t>
+            </a:r>
+            <a:endParaRPr kumimoji="1" lang="en-US" altLang="ja-JP" dirty="0" smtClean="0"/>
           </a:p>
         </p:txBody>
       </p:sp>

--- a/広島校高松校合同チーム/文書関連/プレゼンテーション1.pptx
+++ b/広島校高松校合同チーム/文書関連/プレゼンテーション1.pptx
@@ -18,6 +18,8 @@
     <p:sldId id="267" r:id="rId12"/>
     <p:sldId id="268" r:id="rId13"/>
     <p:sldId id="266" r:id="rId14"/>
+    <p:sldId id="269" r:id="rId15"/>
+    <p:sldId id="270" r:id="rId16"/>
   </p:sldIdLst>
   <p:sldSz cx="12192000" cy="6858000"/>
   <p:notesSz cx="6858000" cy="9144000"/>
@@ -7411,6 +7413,513 @@
 </p:sld>
 </file>
 
+<file path=ppt/slides/slide14.xml><?xml version="1.0" encoding="utf-8"?>
+<p:sld xmlns:a="http://schemas.openxmlformats.org/drawingml/2006/main" xmlns:r="http://schemas.openxmlformats.org/officeDocument/2006/relationships" xmlns:p="http://schemas.openxmlformats.org/presentationml/2006/main">
+  <p:cSld>
+    <p:spTree>
+      <p:nvGrpSpPr>
+        <p:cNvPr id="1" name=""/>
+        <p:cNvGrpSpPr/>
+        <p:nvPr/>
+      </p:nvGrpSpPr>
+      <p:grpSpPr>
+        <a:xfrm>
+          <a:off x="0" y="0"/>
+          <a:ext cx="0" cy="0"/>
+          <a:chOff x="0" y="0"/>
+          <a:chExt cx="0" cy="0"/>
+        </a:xfrm>
+      </p:grpSpPr>
+      <p:sp>
+        <p:nvSpPr>
+          <p:cNvPr id="3" name="コンテンツ プレースホルダー 2"/>
+          <p:cNvSpPr>
+            <a:spLocks noGrp="1"/>
+          </p:cNvSpPr>
+          <p:nvPr>
+            <p:ph idx="1"/>
+          </p:nvPr>
+        </p:nvSpPr>
+        <p:spPr>
+          <a:xfrm>
+            <a:off x="324084" y="1607645"/>
+            <a:ext cx="8946541" cy="5071451"/>
+          </a:xfrm>
+        </p:spPr>
+        <p:txBody>
+          <a:bodyPr>
+            <a:normAutofit/>
+          </a:bodyPr>
+          <a:lstStyle/>
+          <a:p>
+            <a:pPr marL="0" indent="0">
+              <a:buNone/>
+            </a:pPr>
+            <a:r>
+              <a:rPr lang="en-US" altLang="ja-JP" dirty="0" smtClean="0">
+                <a:sym typeface="ＭＳ 明朝" panose="02020609040205080304" pitchFamily="17" charset="-128"/>
+              </a:rPr>
+              <a:t>①</a:t>
+            </a:r>
+            <a:r>
+              <a:rPr lang="ja-JP" altLang="ja-JP" dirty="0" smtClean="0"/>
+              <a:t>チュートリアル</a:t>
+            </a:r>
+            <a:endParaRPr lang="en-US" altLang="ja-JP" dirty="0" smtClean="0"/>
+          </a:p>
+          <a:p>
+            <a:pPr marL="0" indent="0">
+              <a:buNone/>
+            </a:pPr>
+            <a:r>
+              <a:rPr lang="ja-JP" altLang="ja-JP" dirty="0"/>
+              <a:t>　一体ずつトランプ兵を出す。トランプ兵を倒し終わると、エリア１へ移動可能に</a:t>
+            </a:r>
+            <a:r>
+              <a:rPr lang="ja-JP" altLang="ja-JP" dirty="0" smtClean="0"/>
+              <a:t>。</a:t>
+            </a:r>
+            <a:endParaRPr lang="en-US" altLang="ja-JP" dirty="0" smtClean="0"/>
+          </a:p>
+          <a:p>
+            <a:pPr marL="0" indent="0">
+              <a:buNone/>
+            </a:pPr>
+            <a:r>
+              <a:rPr lang="ja-JP" altLang="en-US" dirty="0"/>
+              <a:t>　</a:t>
+            </a:r>
+            <a:r>
+              <a:rPr lang="ja-JP" altLang="ja-JP" dirty="0" smtClean="0"/>
+              <a:t>プレイヤー</a:t>
+            </a:r>
+            <a:r>
+              <a:rPr lang="ja-JP" altLang="ja-JP" dirty="0"/>
+              <a:t>が右端に行くと、エリアの大きさ分スクロール</a:t>
+            </a:r>
+            <a:r>
+              <a:rPr lang="ja-JP" altLang="ja-JP" dirty="0" smtClean="0"/>
+              <a:t>させる</a:t>
+            </a:r>
+            <a:endParaRPr lang="en-US" altLang="ja-JP" dirty="0" smtClean="0"/>
+          </a:p>
+          <a:p>
+            <a:pPr marL="0" indent="0">
+              <a:buNone/>
+            </a:pPr>
+            <a:r>
+              <a:rPr lang="en-US" altLang="ja-JP" dirty="0" smtClean="0">
+                <a:sym typeface="ＭＳ 明朝" panose="02020609040205080304" pitchFamily="17" charset="-128"/>
+              </a:rPr>
+              <a:t>②</a:t>
+            </a:r>
+            <a:r>
+              <a:rPr lang="ja-JP" altLang="ja-JP" dirty="0"/>
+              <a:t>エリア</a:t>
+            </a:r>
+            <a:r>
+              <a:rPr lang="ja-JP" altLang="ja-JP" dirty="0" smtClean="0"/>
+              <a:t>１</a:t>
+            </a:r>
+            <a:endParaRPr lang="en-US" altLang="ja-JP" dirty="0" smtClean="0"/>
+          </a:p>
+          <a:p>
+            <a:pPr marL="0" indent="0">
+              <a:buNone/>
+            </a:pPr>
+            <a:r>
+              <a:rPr lang="ja-JP" altLang="ja-JP" dirty="0"/>
+              <a:t>　スクロールが終わると、エネミーを数体出現させる。</a:t>
+            </a:r>
+          </a:p>
+          <a:p>
+            <a:pPr marL="0" indent="0">
+              <a:buNone/>
+            </a:pPr>
+            <a:r>
+              <a:rPr lang="ja-JP" altLang="ja-JP" dirty="0"/>
+              <a:t>　エネミーを倒し終わると、エリア２へ移動可能に。</a:t>
+            </a:r>
+          </a:p>
+          <a:p>
+            <a:pPr marL="0" indent="0">
+              <a:buNone/>
+            </a:pPr>
+            <a:r>
+              <a:rPr lang="ja-JP" altLang="en-US" dirty="0"/>
+              <a:t>　</a:t>
+            </a:r>
+            <a:r>
+              <a:rPr lang="ja-JP" altLang="ja-JP" dirty="0" smtClean="0"/>
+              <a:t>プレイヤー</a:t>
+            </a:r>
+            <a:r>
+              <a:rPr lang="ja-JP" altLang="ja-JP" dirty="0"/>
+              <a:t>が右端に行くと、エリアの大きさ分スクロールさせる</a:t>
+            </a:r>
+          </a:p>
+          <a:p>
+            <a:pPr marL="0" indent="0">
+              <a:buNone/>
+            </a:pPr>
+            <a:r>
+              <a:rPr lang="ja-JP" altLang="en-US" dirty="0">
+                <a:sym typeface="ＭＳ 明朝" panose="02020609040205080304" pitchFamily="17" charset="-128"/>
+              </a:rPr>
+              <a:t>③</a:t>
+            </a:r>
+            <a:r>
+              <a:rPr lang="ja-JP" altLang="ja-JP" dirty="0" smtClean="0"/>
+              <a:t>エリア</a:t>
+            </a:r>
+            <a:r>
+              <a:rPr lang="ja-JP" altLang="ja-JP" dirty="0"/>
+              <a:t>２</a:t>
+            </a:r>
+          </a:p>
+          <a:p>
+            <a:pPr marL="0" indent="0">
+              <a:buNone/>
+            </a:pPr>
+            <a:r>
+              <a:rPr lang="ja-JP" altLang="en-US" dirty="0"/>
+              <a:t>　</a:t>
+            </a:r>
+            <a:r>
+              <a:rPr lang="ja-JP" altLang="ja-JP" dirty="0" smtClean="0"/>
+              <a:t>スクロール</a:t>
+            </a:r>
+            <a:r>
+              <a:rPr lang="ja-JP" altLang="ja-JP" dirty="0"/>
+              <a:t>が終わると、エネミーを数体出現させる。</a:t>
+            </a:r>
+          </a:p>
+          <a:p>
+            <a:pPr marL="0" indent="0">
+              <a:buNone/>
+            </a:pPr>
+            <a:r>
+              <a:rPr lang="ja-JP" altLang="en-US" dirty="0"/>
+              <a:t>　</a:t>
+            </a:r>
+            <a:r>
+              <a:rPr lang="ja-JP" altLang="ja-JP" dirty="0" smtClean="0"/>
+              <a:t>エネミー</a:t>
+            </a:r>
+            <a:r>
+              <a:rPr lang="ja-JP" altLang="ja-JP" dirty="0"/>
+              <a:t>を倒し終わると、エリア３へ移動可能に。</a:t>
+            </a:r>
+          </a:p>
+          <a:p>
+            <a:pPr marL="0" indent="0">
+              <a:buNone/>
+            </a:pPr>
+            <a:r>
+              <a:rPr lang="ja-JP" altLang="en-US" dirty="0"/>
+              <a:t>　</a:t>
+            </a:r>
+            <a:r>
+              <a:rPr lang="ja-JP" altLang="ja-JP" dirty="0" smtClean="0"/>
+              <a:t>プレイヤー</a:t>
+            </a:r>
+            <a:r>
+              <a:rPr lang="ja-JP" altLang="ja-JP" dirty="0"/>
+              <a:t>が右端に行くと、エリアの大きさ分スクロール</a:t>
+            </a:r>
+            <a:r>
+              <a:rPr lang="ja-JP" altLang="ja-JP" dirty="0" smtClean="0"/>
+              <a:t>させる</a:t>
+            </a:r>
+            <a:endParaRPr lang="ja-JP" altLang="ja-JP" dirty="0"/>
+          </a:p>
+        </p:txBody>
+      </p:sp>
+      <p:sp>
+        <p:nvSpPr>
+          <p:cNvPr id="4" name="角丸四角形 3"/>
+          <p:cNvSpPr/>
+          <p:nvPr/>
+        </p:nvSpPr>
+        <p:spPr>
+          <a:xfrm>
+            <a:off x="230587" y="182880"/>
+            <a:ext cx="7482177" cy="1192695"/>
+          </a:xfrm>
+          <a:prstGeom prst="roundRect">
+            <a:avLst/>
+          </a:prstGeom>
+        </p:spPr>
+        <p:style>
+          <a:lnRef idx="2">
+            <a:schemeClr val="accent6">
+              <a:shade val="50000"/>
+            </a:schemeClr>
+          </a:lnRef>
+          <a:fillRef idx="1">
+            <a:schemeClr val="accent6"/>
+          </a:fillRef>
+          <a:effectRef idx="0">
+            <a:schemeClr val="accent6"/>
+          </a:effectRef>
+          <a:fontRef idx="minor">
+            <a:schemeClr val="lt1"/>
+          </a:fontRef>
+        </p:style>
+        <p:txBody>
+          <a:bodyPr rtlCol="0" anchor="ctr"/>
+          <a:lstStyle/>
+          <a:p>
+            <a:pPr algn="ctr"/>
+            <a:r>
+              <a:rPr lang="ja-JP" altLang="en-US" sz="4000" dirty="0" smtClean="0"/>
+              <a:t>第一ステージマップ</a:t>
+            </a:r>
+            <a:r>
+              <a:rPr kumimoji="1" lang="ja-JP" altLang="en-US" sz="4000" dirty="0" smtClean="0"/>
+              <a:t>仕様書１</a:t>
+            </a:r>
+            <a:endParaRPr kumimoji="1" lang="ja-JP" altLang="en-US" sz="4000" dirty="0"/>
+          </a:p>
+        </p:txBody>
+      </p:sp>
+    </p:spTree>
+    <p:extLst>
+      <p:ext uri="{BB962C8B-B14F-4D97-AF65-F5344CB8AC3E}">
+        <p14:creationId xmlns:p14="http://schemas.microsoft.com/office/powerpoint/2010/main" val="1087532283"/>
+      </p:ext>
+    </p:extLst>
+  </p:cSld>
+  <p:clrMapOvr>
+    <a:masterClrMapping/>
+  </p:clrMapOvr>
+  <p:timing>
+    <p:tnLst>
+      <p:par>
+        <p:cTn id="1" dur="indefinite" restart="never" nodeType="tmRoot"/>
+      </p:par>
+    </p:tnLst>
+  </p:timing>
+</p:sld>
+</file>
+
+<file path=ppt/slides/slide15.xml><?xml version="1.0" encoding="utf-8"?>
+<p:sld xmlns:a="http://schemas.openxmlformats.org/drawingml/2006/main" xmlns:r="http://schemas.openxmlformats.org/officeDocument/2006/relationships" xmlns:p="http://schemas.openxmlformats.org/presentationml/2006/main">
+  <p:cSld>
+    <p:spTree>
+      <p:nvGrpSpPr>
+        <p:cNvPr id="1" name=""/>
+        <p:cNvGrpSpPr/>
+        <p:nvPr/>
+      </p:nvGrpSpPr>
+      <p:grpSpPr>
+        <a:xfrm>
+          <a:off x="0" y="0"/>
+          <a:ext cx="0" cy="0"/>
+          <a:chOff x="0" y="0"/>
+          <a:chExt cx="0" cy="0"/>
+        </a:xfrm>
+      </p:grpSpPr>
+      <p:sp>
+        <p:nvSpPr>
+          <p:cNvPr id="3" name="コンテンツ プレースホルダー 2"/>
+          <p:cNvSpPr>
+            <a:spLocks noGrp="1"/>
+          </p:cNvSpPr>
+          <p:nvPr>
+            <p:ph idx="1"/>
+          </p:nvPr>
+        </p:nvSpPr>
+        <p:spPr>
+          <a:xfrm>
+            <a:off x="324084" y="1607645"/>
+            <a:ext cx="8946541" cy="5071451"/>
+          </a:xfrm>
+        </p:spPr>
+        <p:txBody>
+          <a:bodyPr>
+            <a:normAutofit/>
+          </a:bodyPr>
+          <a:lstStyle/>
+          <a:p>
+            <a:pPr marL="0" indent="0">
+              <a:buNone/>
+            </a:pPr>
+            <a:r>
+              <a:rPr lang="ja-JP" altLang="en-US" dirty="0">
+                <a:sym typeface="ＭＳ 明朝" panose="02020609040205080304" pitchFamily="17" charset="-128"/>
+              </a:rPr>
+              <a:t>④</a:t>
+            </a:r>
+            <a:r>
+              <a:rPr lang="ja-JP" altLang="ja-JP" dirty="0" smtClean="0"/>
+              <a:t>エリア３</a:t>
+            </a:r>
+          </a:p>
+          <a:p>
+            <a:pPr marL="0" indent="0">
+              <a:buNone/>
+            </a:pPr>
+            <a:r>
+              <a:rPr lang="ja-JP" altLang="en-US" dirty="0" smtClean="0"/>
+              <a:t>　</a:t>
+            </a:r>
+            <a:r>
+              <a:rPr lang="ja-JP" altLang="ja-JP" dirty="0" smtClean="0"/>
+              <a:t>スクロールが終わると、エネミーを数体出現させる。</a:t>
+            </a:r>
+          </a:p>
+          <a:p>
+            <a:pPr marL="0" indent="0">
+              <a:buNone/>
+            </a:pPr>
+            <a:r>
+              <a:rPr lang="ja-JP" altLang="en-US" dirty="0" smtClean="0"/>
+              <a:t>　</a:t>
+            </a:r>
+            <a:r>
+              <a:rPr lang="ja-JP" altLang="ja-JP" dirty="0" smtClean="0"/>
+              <a:t>エネミーを倒し終わると、ボスエリアへ移動可能に。</a:t>
+            </a:r>
+          </a:p>
+          <a:p>
+            <a:pPr marL="0" indent="0">
+              <a:buNone/>
+            </a:pPr>
+            <a:r>
+              <a:rPr lang="ja-JP" altLang="en-US" dirty="0" smtClean="0"/>
+              <a:t>　</a:t>
+            </a:r>
+            <a:r>
+              <a:rPr lang="ja-JP" altLang="ja-JP" dirty="0" smtClean="0"/>
+              <a:t>プレイヤーが右端に行くと、エリアの大きさ分スクロールさせる</a:t>
+            </a:r>
+          </a:p>
+          <a:p>
+            <a:pPr marL="0" indent="0">
+              <a:buNone/>
+            </a:pPr>
+            <a:r>
+              <a:rPr lang="ja-JP" altLang="en-US" dirty="0">
+                <a:sym typeface="ＭＳ 明朝" panose="02020609040205080304" pitchFamily="17" charset="-128"/>
+              </a:rPr>
+              <a:t>⑤</a:t>
+            </a:r>
+            <a:r>
+              <a:rPr lang="ja-JP" altLang="ja-JP" dirty="0" smtClean="0"/>
+              <a:t>ボスエリア</a:t>
+            </a:r>
+          </a:p>
+          <a:p>
+            <a:pPr marL="0" indent="0">
+              <a:buNone/>
+            </a:pPr>
+            <a:r>
+              <a:rPr lang="ja-JP" altLang="en-US" dirty="0" smtClean="0"/>
+              <a:t>　</a:t>
+            </a:r>
+            <a:r>
+              <a:rPr lang="ja-JP" altLang="ja-JP" dirty="0" smtClean="0"/>
+              <a:t>スクロールが終わると、ボスを出現させる。</a:t>
+            </a:r>
+          </a:p>
+          <a:p>
+            <a:pPr marL="0" indent="0">
+              <a:buNone/>
+            </a:pPr>
+            <a:r>
+              <a:rPr lang="ja-JP" altLang="en-US" dirty="0" smtClean="0"/>
+              <a:t>　</a:t>
+            </a:r>
+            <a:r>
+              <a:rPr lang="ja-JP" altLang="ja-JP" dirty="0" smtClean="0"/>
+              <a:t>ボスを倒し終わると、イベントシーンへ</a:t>
+            </a:r>
+          </a:p>
+          <a:p>
+            <a:pPr marL="0" indent="0">
+              <a:buNone/>
+            </a:pPr>
+            <a:r>
+              <a:rPr lang="ja-JP" altLang="en-US" dirty="0"/>
+              <a:t>　</a:t>
+            </a:r>
+            <a:endParaRPr kumimoji="1" lang="en-US" altLang="ja-JP" dirty="0" smtClean="0"/>
+          </a:p>
+        </p:txBody>
+      </p:sp>
+      <p:sp>
+        <p:nvSpPr>
+          <p:cNvPr id="4" name="角丸四角形 3"/>
+          <p:cNvSpPr/>
+          <p:nvPr/>
+        </p:nvSpPr>
+        <p:spPr>
+          <a:xfrm>
+            <a:off x="230587" y="182880"/>
+            <a:ext cx="7482177" cy="1192695"/>
+          </a:xfrm>
+          <a:prstGeom prst="roundRect">
+            <a:avLst/>
+          </a:prstGeom>
+        </p:spPr>
+        <p:style>
+          <a:lnRef idx="2">
+            <a:schemeClr val="accent6">
+              <a:shade val="50000"/>
+            </a:schemeClr>
+          </a:lnRef>
+          <a:fillRef idx="1">
+            <a:schemeClr val="accent6"/>
+          </a:fillRef>
+          <a:effectRef idx="0">
+            <a:schemeClr val="accent6"/>
+          </a:effectRef>
+          <a:fontRef idx="minor">
+            <a:schemeClr val="lt1"/>
+          </a:fontRef>
+        </p:style>
+        <p:txBody>
+          <a:bodyPr rtlCol="0" anchor="ctr"/>
+          <a:lstStyle/>
+          <a:p>
+            <a:pPr algn="ctr"/>
+            <a:r>
+              <a:rPr lang="ja-JP" altLang="en-US" sz="4000" dirty="0" smtClean="0"/>
+              <a:t>第一</a:t>
+            </a:r>
+            <a:r>
+              <a:rPr lang="ja-JP" altLang="en-US" sz="4000" smtClean="0"/>
+              <a:t>ステージマップ</a:t>
+            </a:r>
+            <a:r>
+              <a:rPr kumimoji="1" lang="ja-JP" altLang="en-US" sz="4000" smtClean="0"/>
+              <a:t>仕様書２</a:t>
+            </a:r>
+            <a:endParaRPr kumimoji="1" lang="ja-JP" altLang="en-US" sz="4000" dirty="0"/>
+          </a:p>
+        </p:txBody>
+      </p:sp>
+    </p:spTree>
+    <p:extLst>
+      <p:ext uri="{BB962C8B-B14F-4D97-AF65-F5344CB8AC3E}">
+        <p14:creationId xmlns:p14="http://schemas.microsoft.com/office/powerpoint/2010/main" val="2978625436"/>
+      </p:ext>
+    </p:extLst>
+  </p:cSld>
+  <p:clrMapOvr>
+    <a:masterClrMapping/>
+  </p:clrMapOvr>
+  <p:timing>
+    <p:tnLst>
+      <p:par>
+        <p:cTn id="1" dur="indefinite" restart="never" nodeType="tmRoot"/>
+      </p:par>
+    </p:tnLst>
+  </p:timing>
+</p:sld>
+</file>
+
 <file path=ppt/slides/slide2.xml><?xml version="1.0" encoding="utf-8"?>
 <p:sld xmlns:a="http://schemas.openxmlformats.org/drawingml/2006/main" xmlns:r="http://schemas.openxmlformats.org/officeDocument/2006/relationships" xmlns:p="http://schemas.openxmlformats.org/presentationml/2006/main">
   <p:cSld>
